--- a/doc/Sporto treniruočių programos parinkimo mobilioji programa.pptx
+++ b/doc/Sporto treniruočių programos parinkimo mobilioji programa.pptx
@@ -9,11 +9,10 @@
     <p:sldId id="257" r:id="rId3"/>
     <p:sldId id="258" r:id="rId4"/>
     <p:sldId id="259" r:id="rId5"/>
-    <p:sldId id="260" r:id="rId6"/>
-    <p:sldId id="261" r:id="rId7"/>
-    <p:sldId id="262" r:id="rId8"/>
-    <p:sldId id="266" r:id="rId9"/>
-    <p:sldId id="265" r:id="rId10"/>
+    <p:sldId id="261" r:id="rId6"/>
+    <p:sldId id="266" r:id="rId7"/>
+    <p:sldId id="265" r:id="rId8"/>
+    <p:sldId id="267" r:id="rId9"/>
   </p:sldIdLst>
   <p:sldSz cx="12192000" cy="6858000"/>
   <p:notesSz cx="6858000" cy="9144000"/>
@@ -112,6 +111,11 @@
       </a:defRPr>
     </a:lvl9pPr>
   </p:defaultTextStyle>
+  <p:extLst>
+    <p:ext uri="{EFAFB233-063F-42B5-8137-9DF3F51BA10A}">
+      <p15:sldGuideLst xmlns:p15="http://schemas.microsoft.com/office/powerpoint/2012/main"/>
+    </p:ext>
+  </p:extLst>
 </p:presentation>
 </file>
 
@@ -341,7 +345,7 @@
           <a:p>
             <a:fld id="{2DE5D756-A897-4897-83D4-E26FCFAA959E}" type="datetimeFigureOut">
               <a:rPr lang="en-US" smtClean="0"/>
-              <a:t>11/7/2017</a:t>
+              <a:t>11/8/2017</a:t>
             </a:fld>
             <a:endParaRPr lang="en-US"/>
           </a:p>
@@ -549,7 +553,7 @@
           <a:p>
             <a:fld id="{2DE5D756-A897-4897-83D4-E26FCFAA959E}" type="datetimeFigureOut">
               <a:rPr lang="en-US" smtClean="0"/>
-              <a:t>11/7/2017</a:t>
+              <a:t>11/8/2017</a:t>
             </a:fld>
             <a:endParaRPr lang="en-US"/>
           </a:p>
@@ -805,7 +809,7 @@
           <a:p>
             <a:fld id="{2DE5D756-A897-4897-83D4-E26FCFAA959E}" type="datetimeFigureOut">
               <a:rPr lang="en-US" smtClean="0"/>
-              <a:t>11/7/2017</a:t>
+              <a:t>11/8/2017</a:t>
             </a:fld>
             <a:endParaRPr lang="en-US"/>
           </a:p>
@@ -979,7 +983,7 @@
           <a:p>
             <a:fld id="{2DE5D756-A897-4897-83D4-E26FCFAA959E}" type="datetimeFigureOut">
               <a:rPr lang="en-US" smtClean="0"/>
-              <a:t>11/7/2017</a:t>
+              <a:t>11/8/2017</a:t>
             </a:fld>
             <a:endParaRPr lang="en-US"/>
           </a:p>
@@ -1322,7 +1326,7 @@
           <a:p>
             <a:fld id="{2DE5D756-A897-4897-83D4-E26FCFAA959E}" type="datetimeFigureOut">
               <a:rPr lang="en-US" smtClean="0"/>
-              <a:t>11/7/2017</a:t>
+              <a:t>11/8/2017</a:t>
             </a:fld>
             <a:endParaRPr lang="en-US"/>
           </a:p>
@@ -1597,7 +1601,7 @@
           <a:p>
             <a:fld id="{2DE5D756-A897-4897-83D4-E26FCFAA959E}" type="datetimeFigureOut">
               <a:rPr lang="en-US" smtClean="0"/>
-              <a:t>11/7/2017</a:t>
+              <a:t>11/8/2017</a:t>
             </a:fld>
             <a:endParaRPr lang="en-US"/>
           </a:p>
@@ -1976,7 +1980,7 @@
           <a:p>
             <a:fld id="{2DE5D756-A897-4897-83D4-E26FCFAA959E}" type="datetimeFigureOut">
               <a:rPr lang="en-US" smtClean="0"/>
-              <a:t>11/7/2017</a:t>
+              <a:t>11/8/2017</a:t>
             </a:fld>
             <a:endParaRPr lang="en-US"/>
           </a:p>
@@ -2094,7 +2098,7 @@
           <a:p>
             <a:fld id="{2DE5D756-A897-4897-83D4-E26FCFAA959E}" type="datetimeFigureOut">
               <a:rPr lang="en-US" smtClean="0"/>
-              <a:t>11/7/2017</a:t>
+              <a:t>11/8/2017</a:t>
             </a:fld>
             <a:endParaRPr lang="en-US"/>
           </a:p>
@@ -2265,7 +2269,7 @@
           <a:p>
             <a:fld id="{2DE5D756-A897-4897-83D4-E26FCFAA959E}" type="datetimeFigureOut">
               <a:rPr lang="en-US" smtClean="0"/>
-              <a:t>11/7/2017</a:t>
+              <a:t>11/8/2017</a:t>
             </a:fld>
             <a:endParaRPr lang="en-US"/>
           </a:p>
@@ -2619,7 +2623,7 @@
           <a:p>
             <a:fld id="{2DE5D756-A897-4897-83D4-E26FCFAA959E}" type="datetimeFigureOut">
               <a:rPr lang="en-US" smtClean="0"/>
-              <a:t>11/7/2017</a:t>
+              <a:t>11/8/2017</a:t>
             </a:fld>
             <a:endParaRPr lang="en-US"/>
           </a:p>
@@ -2996,7 +3000,7 @@
           <a:p>
             <a:fld id="{2DE5D756-A897-4897-83D4-E26FCFAA959E}" type="datetimeFigureOut">
               <a:rPr lang="en-US" smtClean="0"/>
-              <a:t>11/7/2017</a:t>
+              <a:t>11/8/2017</a:t>
             </a:fld>
             <a:endParaRPr lang="en-US"/>
           </a:p>
@@ -3283,7 +3287,7 @@
           <a:p>
             <a:fld id="{2DE5D756-A897-4897-83D4-E26FCFAA959E}" type="datetimeFigureOut">
               <a:rPr lang="en-US" smtClean="0"/>
-              <a:t>11/7/2017</a:t>
+              <a:t>11/8/2017</a:t>
             </a:fld>
             <a:endParaRPr lang="en-US"/>
           </a:p>
@@ -3873,7 +3877,7 @@
         </p:nvSpPr>
         <p:spPr>
           <a:xfrm>
-            <a:off x="1058331" y="3751589"/>
+            <a:off x="1058330" y="4428482"/>
             <a:ext cx="10058400" cy="405544"/>
           </a:xfrm>
         </p:spPr>
@@ -3932,7 +3936,7 @@
         </p:nvSpPr>
         <p:spPr>
           <a:xfrm>
-            <a:off x="237066" y="1855057"/>
+            <a:off x="237066" y="2116667"/>
             <a:ext cx="11379198" cy="461665"/>
           </a:xfrm>
           <a:prstGeom prst="rect">
@@ -3968,7 +3972,7 @@
         </p:nvSpPr>
         <p:spPr>
           <a:xfrm>
-            <a:off x="1049865" y="2525923"/>
+            <a:off x="1058330" y="3404759"/>
             <a:ext cx="10058400" cy="405544"/>
           </a:xfrm>
           <a:prstGeom prst="rect">
@@ -4246,86 +4250,13 @@
       </p:sp>
       <p:sp>
         <p:nvSpPr>
-          <p:cNvPr id="6" name="TextBox 5"/>
-          <p:cNvSpPr txBox="1"/>
-          <p:nvPr/>
-        </p:nvSpPr>
-        <p:spPr>
-          <a:xfrm>
-            <a:off x="1049865" y="4351866"/>
-            <a:ext cx="10058400" cy="1849865"/>
-          </a:xfrm>
-          <a:prstGeom prst="rect">
-            <a:avLst/>
-          </a:prstGeom>
-          <a:noFill/>
-        </p:spPr>
-        <p:txBody>
-          <a:bodyPr wrap="square" rtlCol="0">
-            <a:spAutoFit/>
-          </a:bodyPr>
-          <a:lstStyle/>
-          <a:p>
-            <a:pPr algn="ctr">
-              <a:lnSpc>
-                <a:spcPct val="150000"/>
-              </a:lnSpc>
-            </a:pPr>
-            <a:r>
-              <a:rPr lang="lt-LT" sz="2000" dirty="0" smtClean="0">
-                <a:latin typeface="Times New Roman" panose="02020603050405020304" pitchFamily="18" charset="0"/>
-                <a:cs typeface="Times New Roman" panose="02020603050405020304" pitchFamily="18" charset="0"/>
-              </a:rPr>
-              <a:t>Vilniaus Universitetas, Lietuva</a:t>
-            </a:r>
-          </a:p>
-          <a:p>
-            <a:pPr algn="ctr">
-              <a:lnSpc>
-                <a:spcPct val="150000"/>
-              </a:lnSpc>
-            </a:pPr>
-            <a:r>
-              <a:rPr lang="lt-LT" sz="2000" dirty="0" smtClean="0">
-                <a:latin typeface="Times New Roman" panose="02020603050405020304" pitchFamily="18" charset="0"/>
-                <a:cs typeface="Times New Roman" panose="02020603050405020304" pitchFamily="18" charset="0"/>
-              </a:rPr>
-              <a:t>Matematikos ir informatikos fakultetas</a:t>
-            </a:r>
-          </a:p>
-          <a:p>
-            <a:pPr algn="ctr">
-              <a:lnSpc>
-                <a:spcPct val="150000"/>
-              </a:lnSpc>
-            </a:pPr>
-            <a:r>
-              <a:rPr lang="lt-LT" sz="2000" dirty="0" smtClean="0">
-                <a:latin typeface="Times New Roman" panose="02020603050405020304" pitchFamily="18" charset="0"/>
-                <a:cs typeface="Times New Roman" panose="02020603050405020304" pitchFamily="18" charset="0"/>
-              </a:rPr>
-              <a:t>Kompiuterijos katedra</a:t>
-            </a:r>
-            <a:r>
-              <a:rPr lang="lt-LT" dirty="0" smtClean="0"/>
-              <a:t/>
-            </a:r>
-            <a:br>
-              <a:rPr lang="lt-LT" dirty="0" smtClean="0"/>
-            </a:br>
-            <a:endParaRPr lang="lt-LT" dirty="0"/>
-          </a:p>
-        </p:txBody>
-      </p:sp>
-      <p:sp>
-        <p:nvSpPr>
           <p:cNvPr id="7" name="TextBox 6"/>
           <p:cNvSpPr txBox="1"/>
           <p:nvPr/>
         </p:nvSpPr>
         <p:spPr>
           <a:xfrm>
-            <a:off x="5761160" y="6017065"/>
+            <a:off x="5761159" y="5922063"/>
             <a:ext cx="652743" cy="369332"/>
           </a:xfrm>
           <a:prstGeom prst="rect">
@@ -4363,6 +4294,13 @@
   <p:clrMapOvr>
     <a:masterClrMapping/>
   </p:clrMapOvr>
+  <p:timing>
+    <p:tnLst>
+      <p:par>
+        <p:cTn id="1" dur="indefinite" restart="never" nodeType="tmRoot"/>
+      </p:par>
+    </p:tnLst>
+  </p:timing>
 </p:sld>
 </file>
 
@@ -4444,7 +4382,31 @@
                   <a:schemeClr val="tx1"/>
                 </a:solidFill>
               </a:rPr>
-              <a:t>Bakalauro darbo tikslas yra sukurti sporto programos parinkimo sistemą, pritaikyta mobiliesiems įrenginiams. </a:t>
+              <a:t>Sukurti sporto </a:t>
+            </a:r>
+            <a:r>
+              <a:rPr lang="lt-LT" sz="3200" dirty="0" smtClean="0">
+                <a:solidFill>
+                  <a:schemeClr val="tx1"/>
+                </a:solidFill>
+              </a:rPr>
+              <a:t>programos parinkimo sistemą, </a:t>
+            </a:r>
+            <a:r>
+              <a:rPr lang="lt-LT" sz="3200" dirty="0" smtClean="0">
+                <a:solidFill>
+                  <a:schemeClr val="tx1"/>
+                </a:solidFill>
+              </a:rPr>
+              <a:t>pritaikytą </a:t>
+            </a:r>
+            <a:r>
+              <a:rPr lang="lt-LT" sz="3200" dirty="0" smtClean="0">
+                <a:solidFill>
+                  <a:schemeClr val="tx1"/>
+                </a:solidFill>
+              </a:rPr>
+              <a:t>mobiliesiems įrenginiams. </a:t>
             </a:r>
             <a:endParaRPr lang="lt-LT" sz="3200" dirty="0">
               <a:solidFill>
@@ -4464,6 +4426,13 @@
   <p:clrMapOvr>
     <a:masterClrMapping/>
   </p:clrMapOvr>
+  <p:timing>
+    <p:tnLst>
+      <p:par>
+        <p:cTn id="1" dur="indefinite" restart="never" nodeType="tmRoot"/>
+      </p:par>
+    </p:tnLst>
+  </p:timing>
 </p:sld>
 </file>
 
@@ -4532,13 +4501,13 @@
         </p:nvSpPr>
         <p:spPr>
           <a:xfrm>
-            <a:off x="1097280" y="2116666"/>
-            <a:ext cx="10688320" cy="4148667"/>
+            <a:off x="1097280" y="1752600"/>
+            <a:ext cx="10688320" cy="4381500"/>
           </a:xfrm>
         </p:spPr>
         <p:txBody>
           <a:bodyPr>
-            <a:normAutofit fontScale="92500" lnSpcReduction="20000"/>
+            <a:noAutofit/>
           </a:bodyPr>
           <a:lstStyle/>
           <a:p>
@@ -4546,55 +4515,240 @@
               <a:lnSpc>
                 <a:spcPct val="160000"/>
               </a:lnSpc>
+              <a:buFont typeface="Wingdings" panose="05000000000000000000" pitchFamily="2" charset="2"/>
+              <a:buChar char="§"/>
             </a:pPr>
             <a:r>
-              <a:rPr lang="lt-LT" sz="3300" dirty="0"/>
-              <a:t>Išanalizuoti senąja sistemą ir panašias programėles</a:t>
-            </a:r>
-            <a:r>
-              <a:rPr lang="lt-LT" sz="3300" dirty="0" smtClean="0"/>
-              <a:t>. Aprašyti </a:t>
-            </a:r>
-            <a:r>
-              <a:rPr lang="lt-LT" sz="3300" dirty="0"/>
+              <a:rPr lang="en-US" dirty="0" smtClean="0"/>
+              <a:t> </a:t>
+            </a:r>
+            <a:r>
+              <a:rPr lang="lt-LT" dirty="0" smtClean="0"/>
+              <a:t>Išanalizuoti </a:t>
+            </a:r>
+            <a:r>
+              <a:rPr lang="lt-LT" dirty="0" smtClean="0"/>
+              <a:t>senąją </a:t>
+            </a:r>
+            <a:r>
+              <a:rPr lang="lt-LT" dirty="0"/>
+              <a:t>sistemą ir panašias programėles</a:t>
+            </a:r>
+            <a:r>
+              <a:rPr lang="lt-LT" dirty="0" smtClean="0"/>
+              <a:t>. </a:t>
+            </a:r>
+            <a:endParaRPr lang="en-US" dirty="0" smtClean="0"/>
+          </a:p>
+          <a:p>
+            <a:pPr lvl="0">
+              <a:lnSpc>
+                <a:spcPct val="160000"/>
+              </a:lnSpc>
+              <a:buFont typeface="Wingdings" panose="05000000000000000000" pitchFamily="2" charset="2"/>
+              <a:buChar char="§"/>
+            </a:pPr>
+            <a:r>
+              <a:rPr lang="en-US" dirty="0" smtClean="0"/>
+              <a:t> </a:t>
+            </a:r>
+            <a:r>
+              <a:rPr lang="lt-LT" dirty="0" smtClean="0"/>
+              <a:t>Aprašyti </a:t>
+            </a:r>
+            <a:r>
+              <a:rPr lang="lt-LT" dirty="0"/>
               <a:t>senąją sistemą ir jos panaudojimo atvejus</a:t>
             </a:r>
             <a:r>
-              <a:rPr lang="lt-LT" sz="3300" dirty="0" smtClean="0"/>
-              <a:t>. Sukurti </a:t>
-            </a:r>
-            <a:r>
-              <a:rPr lang="lt-LT" sz="3300" dirty="0"/>
+              <a:rPr lang="lt-LT" dirty="0" smtClean="0"/>
+              <a:t>. </a:t>
+            </a:r>
+            <a:endParaRPr lang="en-US" dirty="0" smtClean="0"/>
+          </a:p>
+          <a:p>
+            <a:pPr lvl="0">
+              <a:lnSpc>
+                <a:spcPct val="160000"/>
+              </a:lnSpc>
+              <a:buFont typeface="Wingdings" panose="05000000000000000000" pitchFamily="2" charset="2"/>
+              <a:buChar char="§"/>
+            </a:pPr>
+            <a:r>
+              <a:rPr lang="en-US" dirty="0" smtClean="0"/>
+              <a:t> </a:t>
+            </a:r>
+            <a:r>
+              <a:rPr lang="lt-LT" dirty="0" smtClean="0"/>
+              <a:t>Sukurti </a:t>
+            </a:r>
+            <a:r>
+              <a:rPr lang="lt-LT" dirty="0"/>
               <a:t>sistemos modelius bei diagramas</a:t>
             </a:r>
             <a:r>
-              <a:rPr lang="lt-LT" sz="3300" dirty="0" smtClean="0"/>
-              <a:t>. Sukurti vartotojų </a:t>
-            </a:r>
-            <a:r>
-              <a:rPr lang="lt-LT" sz="3300" dirty="0"/>
-              <a:t>registracijos, prisijungimo ir duomenų užpildymo galimybė</a:t>
-            </a:r>
-            <a:r>
-              <a:rPr lang="lt-LT" sz="3300" dirty="0" smtClean="0"/>
-              <a:t>. Sukurti sporto </a:t>
-            </a:r>
-            <a:r>
-              <a:rPr lang="lt-LT" sz="3300" dirty="0"/>
+              <a:rPr lang="lt-LT" dirty="0" smtClean="0"/>
+              <a:t>. </a:t>
+            </a:r>
+            <a:endParaRPr lang="en-US" dirty="0" smtClean="0"/>
+          </a:p>
+          <a:p>
+            <a:pPr lvl="0">
+              <a:lnSpc>
+                <a:spcPct val="160000"/>
+              </a:lnSpc>
+              <a:buFont typeface="Wingdings" panose="05000000000000000000" pitchFamily="2" charset="2"/>
+              <a:buChar char="§"/>
+            </a:pPr>
+            <a:r>
+              <a:rPr lang="en-US" dirty="0" smtClean="0"/>
+              <a:t> </a:t>
+            </a:r>
+            <a:r>
+              <a:rPr lang="lt-LT" dirty="0" smtClean="0"/>
+              <a:t>Sukurti vartotojų </a:t>
+            </a:r>
+            <a:r>
+              <a:rPr lang="lt-LT" dirty="0"/>
+              <a:t>registracijos, prisijungimo ir duomenų užpildymo </a:t>
+            </a:r>
+            <a:r>
+              <a:rPr lang="lt-LT" dirty="0" smtClean="0"/>
+              <a:t>galimybę.</a:t>
+            </a:r>
+            <a:endParaRPr lang="en-US" dirty="0" smtClean="0"/>
+          </a:p>
+          <a:p>
+            <a:pPr lvl="0">
+              <a:lnSpc>
+                <a:spcPct val="160000"/>
+              </a:lnSpc>
+              <a:buFont typeface="Wingdings" panose="05000000000000000000" pitchFamily="2" charset="2"/>
+              <a:buChar char="§"/>
+            </a:pPr>
+            <a:r>
+              <a:rPr lang="lt-LT" dirty="0" smtClean="0"/>
+              <a:t> Sukurti sporto </a:t>
+            </a:r>
+            <a:r>
+              <a:rPr lang="lt-LT" dirty="0"/>
               <a:t>programos ir dietos plano </a:t>
             </a:r>
             <a:r>
-              <a:rPr lang="lt-LT" sz="3300" dirty="0" smtClean="0"/>
+              <a:rPr lang="lt-LT" dirty="0" smtClean="0"/>
               <a:t>generavimą, programų </a:t>
             </a:r>
             <a:r>
-              <a:rPr lang="lt-LT" sz="3300" dirty="0"/>
-              <a:t>valdymas ir keitimas.</a:t>
-            </a:r>
-            <a:endParaRPr lang="en-US" sz="3300" dirty="0"/>
-          </a:p>
-          <a:p>
-            <a:endParaRPr lang="en-US" sz="2800" dirty="0"/>
+              <a:rPr lang="lt-LT" dirty="0"/>
+              <a:t>valdymas ir keitimas</a:t>
+            </a:r>
+            <a:r>
+              <a:rPr lang="lt-LT" dirty="0" smtClean="0"/>
+              <a:t>.</a:t>
+            </a:r>
+            <a:endParaRPr lang="en-US" dirty="0" smtClean="0"/>
+          </a:p>
+          <a:p>
+            <a:pPr>
+              <a:lnSpc>
+                <a:spcPct val="160000"/>
+              </a:lnSpc>
+              <a:buFont typeface="Wingdings" panose="05000000000000000000" pitchFamily="2" charset="2"/>
+              <a:buChar char="§"/>
+            </a:pPr>
+            <a:r>
+              <a:rPr lang="en-US" dirty="0" smtClean="0"/>
+              <a:t> </a:t>
+            </a:r>
+            <a:r>
+              <a:rPr lang="en-US" dirty="0" err="1" smtClean="0"/>
+              <a:t>Sukurti</a:t>
+            </a:r>
+            <a:r>
+              <a:rPr lang="en-US" dirty="0" smtClean="0"/>
+              <a:t> </a:t>
+            </a:r>
+            <a:r>
+              <a:rPr lang="en-US" dirty="0" err="1" smtClean="0"/>
+              <a:t>sporto</a:t>
+            </a:r>
+            <a:r>
+              <a:rPr lang="en-US" dirty="0" smtClean="0"/>
+              <a:t> </a:t>
+            </a:r>
+            <a:r>
+              <a:rPr lang="en-US" dirty="0" err="1"/>
+              <a:t>statistik</a:t>
+            </a:r>
+            <a:r>
+              <a:rPr lang="lt-LT" dirty="0" err="1"/>
+              <a:t>os</a:t>
+            </a:r>
+            <a:r>
+              <a:rPr lang="lt-LT" dirty="0"/>
+              <a:t> </a:t>
+            </a:r>
+            <a:r>
+              <a:rPr lang="lt-LT" dirty="0" smtClean="0"/>
+              <a:t>generavimą.</a:t>
+            </a:r>
+          </a:p>
+          <a:p>
+            <a:pPr>
+              <a:lnSpc>
+                <a:spcPct val="160000"/>
+              </a:lnSpc>
+              <a:buFont typeface="Wingdings" panose="05000000000000000000" pitchFamily="2" charset="2"/>
+              <a:buChar char="§"/>
+            </a:pPr>
+            <a:r>
+              <a:rPr lang="en-US" dirty="0" smtClean="0"/>
+              <a:t> </a:t>
+            </a:r>
+            <a:r>
+              <a:rPr lang="lt-LT" dirty="0" smtClean="0"/>
+              <a:t>Sukurti kalendorių </a:t>
+            </a:r>
+            <a:r>
+              <a:rPr lang="lt-LT" dirty="0"/>
+              <a:t>sporto </a:t>
+            </a:r>
+            <a:r>
+              <a:rPr lang="lt-LT" dirty="0" err="1"/>
+              <a:t>pratimams</a:t>
+            </a:r>
+            <a:r>
+              <a:rPr lang="lt-LT" dirty="0"/>
+              <a:t> ir dietos </a:t>
+            </a:r>
+            <a:r>
+              <a:rPr lang="lt-LT" dirty="0" smtClean="0"/>
+              <a:t>planui.</a:t>
+            </a:r>
+            <a:endParaRPr lang="en-US" dirty="0"/>
+          </a:p>
+          <a:p>
+            <a:pPr>
+              <a:lnSpc>
+                <a:spcPct val="160000"/>
+              </a:lnSpc>
+              <a:buFont typeface="Wingdings" panose="05000000000000000000" pitchFamily="2" charset="2"/>
+              <a:buChar char="§"/>
+            </a:pPr>
+            <a:endParaRPr lang="lt-LT" dirty="0"/>
+          </a:p>
+          <a:p>
+            <a:pPr lvl="0">
+              <a:lnSpc>
+                <a:spcPct val="160000"/>
+              </a:lnSpc>
+              <a:buFont typeface="Wingdings" panose="05000000000000000000" pitchFamily="2" charset="2"/>
+              <a:buChar char="§"/>
+            </a:pPr>
+            <a:endParaRPr lang="en-US" dirty="0"/>
+          </a:p>
+          <a:p>
+            <a:endParaRPr lang="en-US" dirty="0"/>
           </a:p>
         </p:txBody>
       </p:sp>
@@ -4608,6 +4762,13 @@
   <p:clrMapOvr>
     <a:masterClrMapping/>
   </p:clrMapOvr>
+  <p:timing>
+    <p:tnLst>
+      <p:par>
+        <p:cTn id="1" dur="indefinite" restart="never" nodeType="tmRoot"/>
+      </p:par>
+    </p:tnLst>
+  </p:timing>
 </p:sld>
 </file>
 
@@ -4670,14 +4831,14 @@
             <p:ph idx="1"/>
             <p:extLst>
               <p:ext uri="{D42A27DB-BD31-4B8C-83A1-F6EECF244321}">
-                <p14:modId xmlns:p14="http://schemas.microsoft.com/office/powerpoint/2010/main" val="1806901511"/>
+                <p14:modId xmlns:p14="http://schemas.microsoft.com/office/powerpoint/2010/main" val="1301100979"/>
               </p:ext>
             </p:extLst>
           </p:nvPr>
         </p:nvGraphicFramePr>
         <p:xfrm>
-          <a:off x="829731" y="1998135"/>
-          <a:ext cx="10325948" cy="4233332"/>
+          <a:off x="829731" y="1934635"/>
+          <a:ext cx="10325948" cy="4235577"/>
         </p:xfrm>
         <a:graphic>
           <a:graphicData uri="http://schemas.openxmlformats.org/drawingml/2006/table">
@@ -5305,12 +5466,24 @@
                         </a:spcAft>
                       </a:pPr>
                       <a:r>
-                        <a:rPr lang="lt-LT" sz="2000">
+                        <a:rPr lang="lt-LT" sz="2000" dirty="0">
                           <a:effectLst/>
                         </a:rPr>
-                        <a:t>„MyFitnessPal“</a:t>
+                        <a:t>„</a:t>
                       </a:r>
-                      <a:endParaRPr lang="en-US" sz="2000">
+                      <a:r>
+                        <a:rPr lang="lt-LT" sz="2000" dirty="0" err="1">
+                          <a:effectLst/>
+                        </a:rPr>
+                        <a:t>MyFitnessPal</a:t>
+                      </a:r>
+                      <a:r>
+                        <a:rPr lang="lt-LT" sz="2000" dirty="0">
+                          <a:effectLst/>
+                        </a:rPr>
+                        <a:t>“</a:t>
+                      </a:r>
+                      <a:endParaRPr lang="en-US" sz="2000" dirty="0">
                         <a:effectLst/>
                         <a:latin typeface="Times New Roman" panose="02020603050405020304" pitchFamily="18" charset="0"/>
                         <a:ea typeface="Times New Roman" panose="02020603050405020304" pitchFamily="18" charset="0"/>
@@ -5432,6 +5605,13 @@
   <p:clrMapOvr>
     <a:masterClrMapping/>
   </p:clrMapOvr>
+  <p:timing>
+    <p:tnLst>
+      <p:par>
+        <p:cTn id="1" dur="indefinite" restart="never" nodeType="tmRoot"/>
+      </p:par>
+    </p:tnLst>
+  </p:timing>
 </p:sld>
 </file>
 
@@ -5473,8 +5653,16 @@
           <a:lstStyle/>
           <a:p>
             <a:r>
-              <a:rPr lang="lt-LT" dirty="0" smtClean="0"/>
-              <a:t>Funkciniai sistemos reikalavimai</a:t>
+              <a:rPr lang="en-US" dirty="0" err="1" smtClean="0"/>
+              <a:t>Naudojamos</a:t>
+            </a:r>
+            <a:r>
+              <a:rPr lang="en-US" dirty="0" smtClean="0"/>
+              <a:t> </a:t>
+            </a:r>
+            <a:r>
+              <a:rPr lang="en-US" dirty="0" err="1" smtClean="0"/>
+              <a:t>technologijos</a:t>
             </a:r>
             <a:endParaRPr lang="lt-LT" dirty="0"/>
           </a:p>
@@ -5492,73 +5680,497 @@
         </p:nvSpPr>
         <p:spPr>
           <a:xfrm>
-            <a:off x="1097280" y="2019300"/>
-            <a:ext cx="10058400" cy="3849794"/>
+            <a:off x="1778000" y="1999669"/>
+            <a:ext cx="9929420" cy="4294249"/>
           </a:xfrm>
         </p:spPr>
         <p:txBody>
           <a:bodyPr>
-            <a:noAutofit/>
+            <a:normAutofit fontScale="62500" lnSpcReduction="20000"/>
           </a:bodyPr>
           <a:lstStyle/>
           <a:p>
-            <a:pPr lvl="1">
+            <a:pPr marL="0" indent="0">
+              <a:lnSpc>
+                <a:spcPct val="160000"/>
+              </a:lnSpc>
               <a:spcAft>
-                <a:spcPts val="1000"/>
+                <a:spcPts val="130"/>
               </a:spcAft>
+              <a:buNone/>
+            </a:pPr>
+            <a:r>
+              <a:rPr lang="en-US" sz="3400" dirty="0" smtClean="0"/>
+              <a:t> React Native (JavaScript </a:t>
+            </a:r>
+            <a:r>
+              <a:rPr lang="en-US" sz="3400" dirty="0" err="1" smtClean="0"/>
+              <a:t>biblioteka</a:t>
+            </a:r>
+            <a:r>
+              <a:rPr lang="en-US" sz="3400" dirty="0" smtClean="0"/>
+              <a:t>)</a:t>
+            </a:r>
+          </a:p>
+          <a:p>
+            <a:pPr marL="0" indent="0">
+              <a:lnSpc>
+                <a:spcPct val="160000"/>
+              </a:lnSpc>
+              <a:spcAft>
+                <a:spcPts val="130"/>
+              </a:spcAft>
+              <a:buNone/>
+            </a:pPr>
+            <a:r>
+              <a:rPr lang="en-US" sz="3400" dirty="0" smtClean="0"/>
+              <a:t> Expo SDK (</a:t>
+            </a:r>
+            <a:r>
+              <a:rPr lang="en-US" sz="3400" dirty="0" err="1" smtClean="0"/>
+              <a:t>geriausi</a:t>
+            </a:r>
+            <a:r>
+              <a:rPr lang="en-US" sz="3400" dirty="0" smtClean="0"/>
+              <a:t> React Native </a:t>
+            </a:r>
+            <a:r>
+              <a:rPr lang="lt-LT" sz="3400" dirty="0" smtClean="0"/>
+              <a:t>įskiepiai)</a:t>
+            </a:r>
+            <a:r>
+              <a:rPr lang="en-US" sz="3400" dirty="0" smtClean="0"/>
+              <a:t> </a:t>
+            </a:r>
+          </a:p>
+          <a:p>
+            <a:pPr marL="0" indent="0">
+              <a:lnSpc>
+                <a:spcPct val="160000"/>
+              </a:lnSpc>
+              <a:spcAft>
+                <a:spcPts val="130"/>
+              </a:spcAft>
+              <a:buNone/>
+            </a:pPr>
+            <a:r>
+              <a:rPr lang="en-US" sz="3400" dirty="0" smtClean="0"/>
+              <a:t> Google Firebase</a:t>
+            </a:r>
+            <a:r>
+              <a:rPr lang="lt-LT" sz="3400" dirty="0" smtClean="0"/>
+              <a:t> (duomenų bazė debesyje)</a:t>
+            </a:r>
+            <a:endParaRPr lang="en-US" sz="3400" dirty="0" smtClean="0"/>
+          </a:p>
+          <a:p>
+            <a:pPr marL="0" indent="0">
+              <a:lnSpc>
+                <a:spcPct val="160000"/>
+              </a:lnSpc>
+              <a:spcAft>
+                <a:spcPts val="130"/>
+              </a:spcAft>
+              <a:buNone/>
+            </a:pPr>
+            <a:r>
+              <a:rPr lang="en-US" sz="3400" dirty="0"/>
+              <a:t> </a:t>
+            </a:r>
+            <a:r>
+              <a:rPr lang="en-US" sz="3400" dirty="0" err="1" smtClean="0"/>
+              <a:t>Redux</a:t>
+            </a:r>
+            <a:r>
+              <a:rPr lang="en-US" sz="3400" dirty="0" smtClean="0"/>
+              <a:t>-saga</a:t>
+            </a:r>
+            <a:r>
+              <a:rPr lang="lt-LT" sz="3400" dirty="0" smtClean="0"/>
+              <a:t> (duomenų saugojimo ir pernešimo būdas aplikacijoje)</a:t>
+            </a:r>
+            <a:endParaRPr lang="en-US" sz="3400" dirty="0" smtClean="0"/>
+          </a:p>
+          <a:p>
+            <a:pPr marL="0" indent="0">
+              <a:lnSpc>
+                <a:spcPct val="160000"/>
+              </a:lnSpc>
+              <a:spcAft>
+                <a:spcPts val="130"/>
+              </a:spcAft>
+              <a:buNone/>
+            </a:pPr>
+            <a:r>
+              <a:rPr lang="en-US" sz="3400" dirty="0" smtClean="0"/>
+              <a:t> </a:t>
+            </a:r>
+            <a:r>
+              <a:rPr lang="en-US" sz="3400" dirty="0" err="1" smtClean="0"/>
+              <a:t>Genymotion</a:t>
+            </a:r>
+            <a:r>
+              <a:rPr lang="lt-LT" sz="3400" dirty="0" smtClean="0"/>
+              <a:t> (mobilaus įrenginio </a:t>
+            </a:r>
+            <a:r>
+              <a:rPr lang="lt-LT" sz="3400" dirty="0" err="1" smtClean="0"/>
+              <a:t>simuliatorius</a:t>
+            </a:r>
+            <a:r>
+              <a:rPr lang="lt-LT" sz="3400" dirty="0" smtClean="0"/>
+              <a:t>)</a:t>
+            </a:r>
+            <a:endParaRPr lang="en-US" sz="3400" dirty="0" smtClean="0"/>
+          </a:p>
+          <a:p>
+            <a:pPr marL="0" indent="0">
+              <a:lnSpc>
+                <a:spcPct val="160000"/>
+              </a:lnSpc>
+              <a:spcAft>
+                <a:spcPts val="130"/>
+              </a:spcAft>
+              <a:buNone/>
+            </a:pPr>
+            <a:r>
+              <a:rPr lang="en-US" sz="3400" dirty="0"/>
+              <a:t> </a:t>
+            </a:r>
+            <a:r>
+              <a:rPr lang="en-US" sz="3400" dirty="0" smtClean="0"/>
+              <a:t>GitHub</a:t>
+            </a:r>
+            <a:r>
+              <a:rPr lang="lt-LT" sz="3400" dirty="0" smtClean="0"/>
+              <a:t> (sisteminio kodo saugojimo tinklapis)</a:t>
+            </a:r>
+            <a:endParaRPr lang="en-US" sz="3400" dirty="0" smtClean="0"/>
+          </a:p>
+          <a:p>
+            <a:pPr marL="0" indent="0">
+              <a:lnSpc>
+                <a:spcPct val="160000"/>
+              </a:lnSpc>
+              <a:spcAft>
+                <a:spcPts val="130"/>
+              </a:spcAft>
+              <a:buNone/>
+            </a:pPr>
+            <a:r>
+              <a:rPr lang="en-US" sz="3400" dirty="0" smtClean="0"/>
+              <a:t> Yarn/</a:t>
+            </a:r>
+            <a:r>
+              <a:rPr lang="en-US" sz="3400" dirty="0" err="1" smtClean="0"/>
+              <a:t>Npm</a:t>
+            </a:r>
+            <a:r>
+              <a:rPr lang="lt-LT" sz="3400" dirty="0" smtClean="0"/>
+              <a:t> (paketų naudojimo projekte tvarkymo sistemos)</a:t>
+            </a:r>
+            <a:endParaRPr lang="en-US" sz="3400" dirty="0" smtClean="0"/>
+          </a:p>
+          <a:p>
+            <a:pPr>
               <a:buFont typeface="Wingdings" panose="05000000000000000000" pitchFamily="2" charset="2"/>
               <a:buChar char="§"/>
             </a:pPr>
-            <a:r>
-              <a:rPr lang="en-US" sz="3400" dirty="0" smtClean="0"/>
-              <a:t> </a:t>
-            </a:r>
-            <a:r>
-              <a:rPr lang="lt-LT" sz="3200" dirty="0" smtClean="0"/>
-              <a:t>Turi būti įgyvendinta išplėstinė registracija surenkanti informaciją apie vartotojo fizinius duomenis ir gyvenimo būdą.</a:t>
-            </a:r>
-          </a:p>
-          <a:p>
-            <a:pPr lvl="1">
-              <a:spcAft>
-                <a:spcPts val="1000"/>
-              </a:spcAft>
-              <a:buFont typeface="Wingdings" panose="05000000000000000000" pitchFamily="2" charset="2"/>
-              <a:buChar char="§"/>
-            </a:pPr>
-            <a:r>
-              <a:rPr lang="en-US" sz="3200" dirty="0" smtClean="0"/>
-              <a:t> </a:t>
-            </a:r>
-            <a:r>
-              <a:rPr lang="lt-LT" sz="3200" dirty="0" smtClean="0"/>
-              <a:t>Turi būti įgyvendintas automatinis sporto treniruočių generavimas.</a:t>
-            </a:r>
-          </a:p>
-          <a:p>
-            <a:pPr lvl="1">
-              <a:spcAft>
-                <a:spcPts val="1000"/>
-              </a:spcAft>
-              <a:buFont typeface="Wingdings" panose="05000000000000000000" pitchFamily="2" charset="2"/>
-              <a:buChar char="§"/>
-            </a:pPr>
-            <a:r>
-              <a:rPr lang="en-US" sz="3200" dirty="0" smtClean="0"/>
-              <a:t> </a:t>
-            </a:r>
-            <a:r>
-              <a:rPr lang="lt-LT" sz="3200" dirty="0" smtClean="0"/>
-              <a:t>Turi būti įgyvendintas automatinis dietos plano generavimas.</a:t>
-            </a:r>
-            <a:endParaRPr lang="lt-LT" sz="3200" dirty="0"/>
-          </a:p>
-        </p:txBody>
-      </p:sp>
+            <a:endParaRPr lang="en-US" dirty="0" smtClean="0"/>
+          </a:p>
+        </p:txBody>
+      </p:sp>
+      <p:pic>
+        <p:nvPicPr>
+          <p:cNvPr id="1026" name="Picture 2" descr="Vaizdo rezultatas pagal užklausą „react native logo“"/>
+          <p:cNvPicPr>
+            <a:picLocks noChangeAspect="1" noChangeArrowheads="1"/>
+          </p:cNvPicPr>
+          <p:nvPr/>
+        </p:nvPicPr>
+        <p:blipFill>
+          <a:blip r:embed="rId2" cstate="print">
+            <a:extLst>
+              <a:ext uri="{28A0092B-C50C-407E-A947-70E740481C1C}">
+                <a14:useLocalDpi xmlns:a14="http://schemas.microsoft.com/office/drawing/2010/main" val="0"/>
+              </a:ext>
+            </a:extLst>
+          </a:blip>
+          <a:srcRect/>
+          <a:stretch>
+            <a:fillRect/>
+          </a:stretch>
+        </p:blipFill>
+        <p:spPr bwMode="auto">
+          <a:xfrm>
+            <a:off x="1124688" y="2082799"/>
+            <a:ext cx="487979" cy="487979"/>
+          </a:xfrm>
+          <a:prstGeom prst="rect">
+            <a:avLst/>
+          </a:prstGeom>
+          <a:noFill/>
+          <a:extLst>
+            <a:ext uri="{909E8E84-426E-40DD-AFC4-6F175D3DCCD1}">
+              <a14:hiddenFill xmlns:a14="http://schemas.microsoft.com/office/drawing/2010/main">
+                <a:solidFill>
+                  <a:srgbClr val="FFFFFF"/>
+                </a:solidFill>
+              </a14:hiddenFill>
+            </a:ext>
+          </a:extLst>
+        </p:spPr>
+      </p:pic>
+      <p:pic>
+        <p:nvPicPr>
+          <p:cNvPr id="1028" name="Picture 4" descr="Vaizdo rezultatas pagal užklausą „expo io logo“"/>
+          <p:cNvPicPr>
+            <a:picLocks noChangeAspect="1" noChangeArrowheads="1"/>
+          </p:cNvPicPr>
+          <p:nvPr/>
+        </p:nvPicPr>
+        <p:blipFill>
+          <a:blip r:embed="rId3" cstate="print">
+            <a:extLst>
+              <a:ext uri="{28A0092B-C50C-407E-A947-70E740481C1C}">
+                <a14:useLocalDpi xmlns:a14="http://schemas.microsoft.com/office/drawing/2010/main" val="0"/>
+              </a:ext>
+            </a:extLst>
+          </a:blip>
+          <a:srcRect/>
+          <a:stretch>
+            <a:fillRect/>
+          </a:stretch>
+        </p:blipFill>
+        <p:spPr bwMode="auto">
+          <a:xfrm>
+            <a:off x="1097280" y="2634330"/>
+            <a:ext cx="502966" cy="502966"/>
+          </a:xfrm>
+          <a:prstGeom prst="rect">
+            <a:avLst/>
+          </a:prstGeom>
+          <a:noFill/>
+          <a:extLst>
+            <a:ext uri="{909E8E84-426E-40DD-AFC4-6F175D3DCCD1}">
+              <a14:hiddenFill xmlns:a14="http://schemas.microsoft.com/office/drawing/2010/main">
+                <a:solidFill>
+                  <a:srgbClr val="FFFFFF"/>
+                </a:solidFill>
+              </a14:hiddenFill>
+            </a:ext>
+          </a:extLst>
+        </p:spPr>
+      </p:pic>
+      <p:pic>
+        <p:nvPicPr>
+          <p:cNvPr id="1030" name="Picture 6" descr="Vaizdo rezultatas pagal užklausą „google firebase logo“"/>
+          <p:cNvPicPr>
+            <a:picLocks noChangeAspect="1" noChangeArrowheads="1"/>
+          </p:cNvPicPr>
+          <p:nvPr/>
+        </p:nvPicPr>
+        <p:blipFill>
+          <a:blip r:embed="rId4" cstate="print">
+            <a:extLst>
+              <a:ext uri="{28A0092B-C50C-407E-A947-70E740481C1C}">
+                <a14:useLocalDpi xmlns:a14="http://schemas.microsoft.com/office/drawing/2010/main" val="0"/>
+              </a:ext>
+            </a:extLst>
+          </a:blip>
+          <a:srcRect/>
+          <a:stretch>
+            <a:fillRect/>
+          </a:stretch>
+        </p:blipFill>
+        <p:spPr bwMode="auto">
+          <a:xfrm>
+            <a:off x="1063298" y="3200848"/>
+            <a:ext cx="570930" cy="570930"/>
+          </a:xfrm>
+          <a:prstGeom prst="rect">
+            <a:avLst/>
+          </a:prstGeom>
+          <a:noFill/>
+          <a:extLst>
+            <a:ext uri="{909E8E84-426E-40DD-AFC4-6F175D3DCCD1}">
+              <a14:hiddenFill xmlns:a14="http://schemas.microsoft.com/office/drawing/2010/main">
+                <a:solidFill>
+                  <a:srgbClr val="FFFFFF"/>
+                </a:solidFill>
+              </a14:hiddenFill>
+            </a:ext>
+          </a:extLst>
+        </p:spPr>
+      </p:pic>
+      <p:pic>
+        <p:nvPicPr>
+          <p:cNvPr id="1032" name="Picture 8" descr="Vaizdo rezultatas pagal užklausą „redux-saga logo“"/>
+          <p:cNvPicPr>
+            <a:picLocks noChangeAspect="1" noChangeArrowheads="1"/>
+          </p:cNvPicPr>
+          <p:nvPr/>
+        </p:nvPicPr>
+        <p:blipFill>
+          <a:blip r:embed="rId5" cstate="print">
+            <a:extLst>
+              <a:ext uri="{28A0092B-C50C-407E-A947-70E740481C1C}">
+                <a14:useLocalDpi xmlns:a14="http://schemas.microsoft.com/office/drawing/2010/main" val="0"/>
+              </a:ext>
+            </a:extLst>
+          </a:blip>
+          <a:srcRect/>
+          <a:stretch>
+            <a:fillRect/>
+          </a:stretch>
+        </p:blipFill>
+        <p:spPr bwMode="auto">
+          <a:xfrm>
+            <a:off x="1097191" y="3895222"/>
+            <a:ext cx="503144" cy="503144"/>
+          </a:xfrm>
+          <a:prstGeom prst="rect">
+            <a:avLst/>
+          </a:prstGeom>
+          <a:noFill/>
+          <a:extLst>
+            <a:ext uri="{909E8E84-426E-40DD-AFC4-6F175D3DCCD1}">
+              <a14:hiddenFill xmlns:a14="http://schemas.microsoft.com/office/drawing/2010/main">
+                <a:solidFill>
+                  <a:srgbClr val="FFFFFF"/>
+                </a:solidFill>
+              </a14:hiddenFill>
+            </a:ext>
+          </a:extLst>
+        </p:spPr>
+      </p:pic>
+      <p:pic>
+        <p:nvPicPr>
+          <p:cNvPr id="1034" name="Picture 10" descr="Vaizdo rezultatas pagal užklausą „genymotion logo“"/>
+          <p:cNvPicPr>
+            <a:picLocks noChangeAspect="1" noChangeArrowheads="1"/>
+          </p:cNvPicPr>
+          <p:nvPr/>
+        </p:nvPicPr>
+        <p:blipFill>
+          <a:blip r:embed="rId6" cstate="print">
+            <a:extLst>
+              <a:ext uri="{28A0092B-C50C-407E-A947-70E740481C1C}">
+                <a14:useLocalDpi xmlns:a14="http://schemas.microsoft.com/office/drawing/2010/main" val="0"/>
+              </a:ext>
+            </a:extLst>
+          </a:blip>
+          <a:srcRect/>
+          <a:stretch>
+            <a:fillRect/>
+          </a:stretch>
+        </p:blipFill>
+        <p:spPr bwMode="auto">
+          <a:xfrm>
+            <a:off x="1152098" y="4521810"/>
+            <a:ext cx="393329" cy="393329"/>
+          </a:xfrm>
+          <a:prstGeom prst="rect">
+            <a:avLst/>
+          </a:prstGeom>
+          <a:noFill/>
+          <a:extLst>
+            <a:ext uri="{909E8E84-426E-40DD-AFC4-6F175D3DCCD1}">
+              <a14:hiddenFill xmlns:a14="http://schemas.microsoft.com/office/drawing/2010/main">
+                <a:solidFill>
+                  <a:srgbClr val="FFFFFF"/>
+                </a:solidFill>
+              </a14:hiddenFill>
+            </a:ext>
+          </a:extLst>
+        </p:spPr>
+      </p:pic>
+      <p:pic>
+        <p:nvPicPr>
+          <p:cNvPr id="1036" name="Picture 12" descr="Vaizdo rezultatas pagal užklausą „github logo“"/>
+          <p:cNvPicPr>
+            <a:picLocks noChangeAspect="1" noChangeArrowheads="1"/>
+          </p:cNvPicPr>
+          <p:nvPr/>
+        </p:nvPicPr>
+        <p:blipFill>
+          <a:blip r:embed="rId7" cstate="print">
+            <a:extLst>
+              <a:ext uri="{28A0092B-C50C-407E-A947-70E740481C1C}">
+                <a14:useLocalDpi xmlns:a14="http://schemas.microsoft.com/office/drawing/2010/main" val="0"/>
+              </a:ext>
+            </a:extLst>
+          </a:blip>
+          <a:srcRect/>
+          <a:stretch>
+            <a:fillRect/>
+          </a:stretch>
+        </p:blipFill>
+        <p:spPr bwMode="auto">
+          <a:xfrm>
+            <a:off x="1094846" y="5038583"/>
+            <a:ext cx="566415" cy="566415"/>
+          </a:xfrm>
+          <a:prstGeom prst="rect">
+            <a:avLst/>
+          </a:prstGeom>
+          <a:noFill/>
+          <a:extLst>
+            <a:ext uri="{909E8E84-426E-40DD-AFC4-6F175D3DCCD1}">
+              <a14:hiddenFill xmlns:a14="http://schemas.microsoft.com/office/drawing/2010/main">
+                <a:solidFill>
+                  <a:srgbClr val="FFFFFF"/>
+                </a:solidFill>
+              </a14:hiddenFill>
+            </a:ext>
+          </a:extLst>
+        </p:spPr>
+      </p:pic>
+      <p:pic>
+        <p:nvPicPr>
+          <p:cNvPr id="1038" name="Picture 14" descr="Vaizdo rezultatas pagal užklausą „yarn logo“"/>
+          <p:cNvPicPr>
+            <a:picLocks noChangeAspect="1" noChangeArrowheads="1"/>
+          </p:cNvPicPr>
+          <p:nvPr/>
+        </p:nvPicPr>
+        <p:blipFill>
+          <a:blip r:embed="rId8" cstate="print">
+            <a:extLst>
+              <a:ext uri="{28A0092B-C50C-407E-A947-70E740481C1C}">
+                <a14:useLocalDpi xmlns:a14="http://schemas.microsoft.com/office/drawing/2010/main" val="0"/>
+              </a:ext>
+            </a:extLst>
+          </a:blip>
+          <a:srcRect/>
+          <a:stretch>
+            <a:fillRect/>
+          </a:stretch>
+        </p:blipFill>
+        <p:spPr bwMode="auto">
+          <a:xfrm>
+            <a:off x="1152098" y="5665171"/>
+            <a:ext cx="433161" cy="433161"/>
+          </a:xfrm>
+          <a:prstGeom prst="rect">
+            <a:avLst/>
+          </a:prstGeom>
+          <a:noFill/>
+          <a:extLst>
+            <a:ext uri="{909E8E84-426E-40DD-AFC4-6F175D3DCCD1}">
+              <a14:hiddenFill xmlns:a14="http://schemas.microsoft.com/office/drawing/2010/main">
+                <a:solidFill>
+                  <a:srgbClr val="FFFFFF"/>
+                </a:solidFill>
+              </a14:hiddenFill>
+            </a:ext>
+          </a:extLst>
+        </p:spPr>
+      </p:pic>
     </p:spTree>
     <p:extLst>
       <p:ext uri="{BB962C8B-B14F-4D97-AF65-F5344CB8AC3E}">
-        <p14:creationId xmlns:p14="http://schemas.microsoft.com/office/powerpoint/2010/main" val="1842812024"/>
+        <p14:creationId xmlns:p14="http://schemas.microsoft.com/office/powerpoint/2010/main" val="1632398053"/>
       </p:ext>
     </p:extLst>
   </p:cSld>
@@ -5595,365 +6207,12 @@
             <p:ph type="title"/>
           </p:nvPr>
         </p:nvSpPr>
-        <p:spPr>
-          <a:xfrm>
-            <a:off x="1097280" y="0"/>
-            <a:ext cx="10058400" cy="1450757"/>
-          </a:xfrm>
-        </p:spPr>
+        <p:spPr/>
         <p:txBody>
           <a:bodyPr/>
           <a:lstStyle/>
           <a:p>
-            <a:r>
-              <a:rPr lang="en-US" dirty="0" err="1" smtClean="0"/>
-              <a:t>Naudojamos</a:t>
-            </a:r>
-            <a:r>
-              <a:rPr lang="en-US" dirty="0" smtClean="0"/>
-              <a:t> </a:t>
-            </a:r>
-            <a:r>
-              <a:rPr lang="en-US" dirty="0" err="1" smtClean="0"/>
-              <a:t>technologijos</a:t>
-            </a:r>
-            <a:endParaRPr lang="lt-LT" dirty="0"/>
-          </a:p>
-        </p:txBody>
-      </p:sp>
-      <p:sp>
-        <p:nvSpPr>
-          <p:cNvPr id="3" name="Content Placeholder 2"/>
-          <p:cNvSpPr>
-            <a:spLocks noGrp="1"/>
-          </p:cNvSpPr>
-          <p:nvPr>
-            <p:ph idx="1"/>
-          </p:nvPr>
-        </p:nvSpPr>
-        <p:spPr>
-          <a:xfrm>
-            <a:off x="1540932" y="2082800"/>
-            <a:ext cx="10160001" cy="3786294"/>
-          </a:xfrm>
-        </p:spPr>
-        <p:txBody>
-          <a:bodyPr>
-            <a:normAutofit lnSpcReduction="10000"/>
-          </a:bodyPr>
-          <a:lstStyle/>
-          <a:p>
-            <a:pPr>
-              <a:buFont typeface="Wingdings" panose="05000000000000000000" pitchFamily="2" charset="2"/>
-              <a:buChar char="§"/>
-            </a:pPr>
-            <a:r>
-              <a:rPr lang="en-US" sz="2800" dirty="0" smtClean="0"/>
-              <a:t> React Native (JavaScript </a:t>
-            </a:r>
-            <a:r>
-              <a:rPr lang="en-US" sz="2800" dirty="0" err="1" smtClean="0"/>
-              <a:t>biblioteka</a:t>
-            </a:r>
-            <a:r>
-              <a:rPr lang="en-US" sz="2800" dirty="0" smtClean="0"/>
-              <a:t>)</a:t>
-            </a:r>
-          </a:p>
-          <a:p>
-            <a:pPr>
-              <a:buFont typeface="Wingdings" panose="05000000000000000000" pitchFamily="2" charset="2"/>
-              <a:buChar char="§"/>
-            </a:pPr>
-            <a:r>
-              <a:rPr lang="en-US" sz="2800" dirty="0" smtClean="0"/>
-              <a:t> Expo SDK (</a:t>
-            </a:r>
-            <a:r>
-              <a:rPr lang="en-US" sz="2800" dirty="0" err="1" smtClean="0"/>
-              <a:t>geriausi</a:t>
-            </a:r>
-            <a:r>
-              <a:rPr lang="en-US" sz="2800" dirty="0" smtClean="0"/>
-              <a:t> React Native </a:t>
-            </a:r>
-            <a:r>
-              <a:rPr lang="lt-LT" sz="2800" dirty="0" smtClean="0"/>
-              <a:t>įskiepiai)</a:t>
-            </a:r>
-            <a:r>
-              <a:rPr lang="en-US" sz="2800" dirty="0" smtClean="0"/>
-              <a:t> </a:t>
-            </a:r>
-          </a:p>
-          <a:p>
-            <a:pPr>
-              <a:buFont typeface="Wingdings" panose="05000000000000000000" pitchFamily="2" charset="2"/>
-              <a:buChar char="§"/>
-            </a:pPr>
-            <a:r>
-              <a:rPr lang="en-US" sz="2800" dirty="0" smtClean="0"/>
-              <a:t> Google Firebase</a:t>
-            </a:r>
-            <a:r>
-              <a:rPr lang="lt-LT" sz="2800" dirty="0" smtClean="0"/>
-              <a:t> (duomenų bazė debesyje)</a:t>
-            </a:r>
-            <a:endParaRPr lang="en-US" sz="2800" dirty="0" smtClean="0"/>
-          </a:p>
-          <a:p>
-            <a:pPr>
-              <a:buFont typeface="Wingdings" panose="05000000000000000000" pitchFamily="2" charset="2"/>
-              <a:buChar char="§"/>
-            </a:pPr>
-            <a:r>
-              <a:rPr lang="en-US" sz="2800" dirty="0"/>
-              <a:t> </a:t>
-            </a:r>
-            <a:r>
-              <a:rPr lang="en-US" sz="2800" dirty="0" err="1" smtClean="0"/>
-              <a:t>Redux</a:t>
-            </a:r>
-            <a:r>
-              <a:rPr lang="en-US" sz="2800" dirty="0" smtClean="0"/>
-              <a:t>-saga</a:t>
-            </a:r>
-            <a:r>
-              <a:rPr lang="lt-LT" sz="2800" dirty="0" smtClean="0"/>
-              <a:t> (duomenų saugojimo ir pernešimo būdas aplikacijoje)</a:t>
-            </a:r>
-            <a:endParaRPr lang="en-US" sz="2800" dirty="0" smtClean="0"/>
-          </a:p>
-          <a:p>
-            <a:pPr>
-              <a:buFont typeface="Wingdings" panose="05000000000000000000" pitchFamily="2" charset="2"/>
-              <a:buChar char="§"/>
-            </a:pPr>
-            <a:r>
-              <a:rPr lang="en-US" sz="2800" dirty="0" smtClean="0"/>
-              <a:t> </a:t>
-            </a:r>
-            <a:r>
-              <a:rPr lang="en-US" sz="2800" dirty="0" err="1" smtClean="0"/>
-              <a:t>Genymotion</a:t>
-            </a:r>
-            <a:r>
-              <a:rPr lang="lt-LT" sz="2800" dirty="0" smtClean="0"/>
-              <a:t> (mobilaus įrenginio </a:t>
-            </a:r>
-            <a:r>
-              <a:rPr lang="lt-LT" sz="2800" dirty="0" err="1" smtClean="0"/>
-              <a:t>simuliatorius</a:t>
-            </a:r>
-            <a:r>
-              <a:rPr lang="lt-LT" sz="2800" dirty="0" smtClean="0"/>
-              <a:t>)</a:t>
-            </a:r>
-            <a:endParaRPr lang="en-US" sz="2800" dirty="0" smtClean="0"/>
-          </a:p>
-          <a:p>
-            <a:pPr>
-              <a:buFont typeface="Wingdings" panose="05000000000000000000" pitchFamily="2" charset="2"/>
-              <a:buChar char="§"/>
-            </a:pPr>
-            <a:r>
-              <a:rPr lang="en-US" sz="2800" dirty="0"/>
-              <a:t> </a:t>
-            </a:r>
-            <a:r>
-              <a:rPr lang="en-US" sz="2800" dirty="0" smtClean="0"/>
-              <a:t>GitHub</a:t>
-            </a:r>
-            <a:r>
-              <a:rPr lang="lt-LT" sz="2800" dirty="0" smtClean="0"/>
-              <a:t> (sisteminio kodo saugojimo tinklapis)</a:t>
-            </a:r>
-            <a:endParaRPr lang="en-US" sz="2800" dirty="0" smtClean="0"/>
-          </a:p>
-          <a:p>
-            <a:pPr>
-              <a:buFont typeface="Wingdings" panose="05000000000000000000" pitchFamily="2" charset="2"/>
-              <a:buChar char="§"/>
-            </a:pPr>
-            <a:r>
-              <a:rPr lang="en-US" sz="2800" dirty="0" smtClean="0"/>
-              <a:t> Yarn/</a:t>
-            </a:r>
-            <a:r>
-              <a:rPr lang="en-US" sz="2800" dirty="0" err="1" smtClean="0"/>
-              <a:t>Npm</a:t>
-            </a:r>
-            <a:r>
-              <a:rPr lang="lt-LT" sz="2800" dirty="0" smtClean="0"/>
-              <a:t> (paketų naudojimo projekte tvarkymo sistemos)</a:t>
-            </a:r>
-            <a:endParaRPr lang="en-US" sz="2800" dirty="0" smtClean="0"/>
-          </a:p>
-          <a:p>
-            <a:pPr>
-              <a:buFont typeface="Wingdings" panose="05000000000000000000" pitchFamily="2" charset="2"/>
-              <a:buChar char="§"/>
-            </a:pPr>
-            <a:endParaRPr lang="en-US" dirty="0" smtClean="0"/>
-          </a:p>
-        </p:txBody>
-      </p:sp>
-    </p:spTree>
-    <p:extLst>
-      <p:ext uri="{BB962C8B-B14F-4D97-AF65-F5344CB8AC3E}">
-        <p14:creationId xmlns:p14="http://schemas.microsoft.com/office/powerpoint/2010/main" val="1632398053"/>
-      </p:ext>
-    </p:extLst>
-  </p:cSld>
-  <p:clrMapOvr>
-    <a:masterClrMapping/>
-  </p:clrMapOvr>
-</p:sld>
-</file>
-
-<file path=ppt/slides/slide7.xml><?xml version="1.0" encoding="utf-8"?>
-<p:sld xmlns:a="http://schemas.openxmlformats.org/drawingml/2006/main" xmlns:r="http://schemas.openxmlformats.org/officeDocument/2006/relationships" xmlns:p="http://schemas.openxmlformats.org/presentationml/2006/main">
-  <p:cSld>
-    <p:spTree>
-      <p:nvGrpSpPr>
-        <p:cNvPr id="1" name=""/>
-        <p:cNvGrpSpPr/>
-        <p:nvPr/>
-      </p:nvGrpSpPr>
-      <p:grpSpPr>
-        <a:xfrm>
-          <a:off x="0" y="0"/>
-          <a:ext cx="0" cy="0"/>
-          <a:chOff x="0" y="0"/>
-          <a:chExt cx="0" cy="0"/>
-        </a:xfrm>
-      </p:grpSpPr>
-      <p:sp>
-        <p:nvSpPr>
-          <p:cNvPr id="2" name="Title 1"/>
-          <p:cNvSpPr>
-            <a:spLocks noGrp="1"/>
-          </p:cNvSpPr>
-          <p:nvPr>
-            <p:ph type="title"/>
-          </p:nvPr>
-        </p:nvSpPr>
-        <p:spPr>
-          <a:xfrm>
-            <a:off x="1165013" y="0"/>
-            <a:ext cx="10058400" cy="1450757"/>
-          </a:xfrm>
-        </p:spPr>
-        <p:txBody>
-          <a:bodyPr/>
-          <a:lstStyle/>
-          <a:p>
-            <a:r>
-              <a:rPr lang="lt-LT" dirty="0" smtClean="0"/>
-              <a:t>Sistemos panaudojimo diagrama</a:t>
-            </a:r>
-            <a:endParaRPr lang="lt-LT" dirty="0"/>
-          </a:p>
-        </p:txBody>
-      </p:sp>
-      <p:pic>
-        <p:nvPicPr>
-          <p:cNvPr id="4" name="Content Placeholder 3"/>
-          <p:cNvPicPr>
-            <a:picLocks noGrp="1" noChangeAspect="1"/>
-          </p:cNvPicPr>
-          <p:nvPr>
-            <p:ph idx="1"/>
-          </p:nvPr>
-        </p:nvPicPr>
-        <p:blipFill>
-          <a:blip r:embed="rId2">
-            <a:extLst>
-              <a:ext uri="{28A0092B-C50C-407E-A947-70E740481C1C}">
-                <a14:useLocalDpi xmlns:a14="http://schemas.microsoft.com/office/drawing/2010/main" val="0"/>
-              </a:ext>
-            </a:extLst>
-          </a:blip>
-          <a:stretch>
-            <a:fillRect/>
-          </a:stretch>
-        </p:blipFill>
-        <p:spPr>
-          <a:xfrm>
-            <a:off x="3285066" y="1788160"/>
-            <a:ext cx="4792134" cy="4565478"/>
-          </a:xfrm>
-        </p:spPr>
-      </p:pic>
-    </p:spTree>
-    <p:extLst>
-      <p:ext uri="{BB962C8B-B14F-4D97-AF65-F5344CB8AC3E}">
-        <p14:creationId xmlns:p14="http://schemas.microsoft.com/office/powerpoint/2010/main" val="67399501"/>
-      </p:ext>
-    </p:extLst>
-  </p:cSld>
-  <p:clrMapOvr>
-    <a:masterClrMapping/>
-  </p:clrMapOvr>
-</p:sld>
-</file>
-
-<file path=ppt/slides/slide8.xml><?xml version="1.0" encoding="utf-8"?>
-<p:sld xmlns:a="http://schemas.openxmlformats.org/drawingml/2006/main" xmlns:r="http://schemas.openxmlformats.org/officeDocument/2006/relationships" xmlns:p="http://schemas.openxmlformats.org/presentationml/2006/main">
-  <p:cSld>
-    <p:spTree>
-      <p:nvGrpSpPr>
-        <p:cNvPr id="1" name=""/>
-        <p:cNvGrpSpPr/>
-        <p:nvPr/>
-      </p:nvGrpSpPr>
-      <p:grpSpPr>
-        <a:xfrm>
-          <a:off x="0" y="0"/>
-          <a:ext cx="0" cy="0"/>
-          <a:chOff x="0" y="0"/>
-          <a:chExt cx="0" cy="0"/>
-        </a:xfrm>
-      </p:grpSpPr>
-      <p:sp>
-        <p:nvSpPr>
-          <p:cNvPr id="2" name="Title 1"/>
-          <p:cNvSpPr>
-            <a:spLocks noGrp="1"/>
-          </p:cNvSpPr>
-          <p:nvPr>
-            <p:ph type="title"/>
-          </p:nvPr>
-        </p:nvSpPr>
-        <p:spPr/>
-        <p:txBody>
-          <a:bodyPr/>
-          <a:lstStyle/>
-          <a:p>
             <a:endParaRPr lang="lt-LT"/>
-          </a:p>
-        </p:txBody>
-      </p:sp>
-      <p:sp>
-        <p:nvSpPr>
-          <p:cNvPr id="3" name="Content Placeholder 2"/>
-          <p:cNvSpPr>
-            <a:spLocks noGrp="1"/>
-          </p:cNvSpPr>
-          <p:nvPr>
-            <p:ph idx="1"/>
-          </p:nvPr>
-        </p:nvSpPr>
-        <p:spPr/>
-        <p:txBody>
-          <a:bodyPr/>
-          <a:lstStyle/>
-          <a:p>
-            <a:r>
-              <a:rPr lang="en-US" dirty="0" err="1" smtClean="0"/>
-              <a:t>Registracija</a:t>
-            </a:r>
-            <a:endParaRPr lang="lt-LT" dirty="0"/>
           </a:p>
         </p:txBody>
       </p:sp>
@@ -6006,6 +6265,66 @@
           </a:prstGeom>
         </p:spPr>
       </p:pic>
+      <p:pic>
+        <p:nvPicPr>
+          <p:cNvPr id="6" name="Picture 5"/>
+          <p:cNvPicPr>
+            <a:picLocks noChangeAspect="1"/>
+          </p:cNvPicPr>
+          <p:nvPr/>
+        </p:nvPicPr>
+        <p:blipFill>
+          <a:blip r:embed="rId3">
+            <a:extLst>
+              <a:ext uri="{28A0092B-C50C-407E-A947-70E740481C1C}">
+                <a14:useLocalDpi xmlns:a14="http://schemas.microsoft.com/office/drawing/2010/main" val="0"/>
+              </a:ext>
+            </a:extLst>
+          </a:blip>
+          <a:stretch>
+            <a:fillRect/>
+          </a:stretch>
+        </p:blipFill>
+        <p:spPr>
+          <a:xfrm>
+            <a:off x="4231698" y="112146"/>
+            <a:ext cx="4254886" cy="3711709"/>
+          </a:xfrm>
+          <a:prstGeom prst="rect">
+            <a:avLst/>
+          </a:prstGeom>
+        </p:spPr>
+      </p:pic>
+      <p:pic>
+        <p:nvPicPr>
+          <p:cNvPr id="9" name="Picture 8"/>
+          <p:cNvPicPr>
+            <a:picLocks noChangeAspect="1"/>
+          </p:cNvPicPr>
+          <p:nvPr/>
+        </p:nvPicPr>
+        <p:blipFill>
+          <a:blip r:embed="rId4">
+            <a:extLst>
+              <a:ext uri="{28A0092B-C50C-407E-A947-70E740481C1C}">
+                <a14:useLocalDpi xmlns:a14="http://schemas.microsoft.com/office/drawing/2010/main" val="0"/>
+              </a:ext>
+            </a:extLst>
+          </a:blip>
+          <a:stretch>
+            <a:fillRect/>
+          </a:stretch>
+        </p:blipFill>
+        <p:spPr>
+          <a:xfrm>
+            <a:off x="5086721" y="3999832"/>
+            <a:ext cx="4570706" cy="2858168"/>
+          </a:xfrm>
+          <a:prstGeom prst="rect">
+            <a:avLst/>
+          </a:prstGeom>
+        </p:spPr>
+      </p:pic>
     </p:spTree>
     <p:extLst>
       <p:ext uri="{BB962C8B-B14F-4D97-AF65-F5344CB8AC3E}">
@@ -6019,7 +6338,7 @@
 </p:sld>
 </file>
 
-<file path=ppt/slides/slide9.xml><?xml version="1.0" encoding="utf-8"?>
+<file path=ppt/slides/slide7.xml><?xml version="1.0" encoding="utf-8"?>
 <p:sld xmlns:a="http://schemas.openxmlformats.org/drawingml/2006/main" xmlns:r="http://schemas.openxmlformats.org/officeDocument/2006/relationships" xmlns:p="http://schemas.openxmlformats.org/presentationml/2006/main">
   <p:cSld>
     <p:spTree>
@@ -6052,29 +6371,6 @@
           <a:lstStyle/>
           <a:p>
             <a:endParaRPr lang="lt-LT"/>
-          </a:p>
-        </p:txBody>
-      </p:sp>
-      <p:sp>
-        <p:nvSpPr>
-          <p:cNvPr id="3" name="Content Placeholder 2"/>
-          <p:cNvSpPr>
-            <a:spLocks noGrp="1"/>
-          </p:cNvSpPr>
-          <p:nvPr>
-            <p:ph idx="1"/>
-          </p:nvPr>
-        </p:nvSpPr>
-        <p:spPr/>
-        <p:txBody>
-          <a:bodyPr/>
-          <a:lstStyle/>
-          <a:p>
-            <a:r>
-              <a:rPr lang="en-US" dirty="0" err="1" smtClean="0"/>
-              <a:t>Pratimai</a:t>
-            </a:r>
-            <a:endParaRPr lang="lt-LT" dirty="0"/>
           </a:p>
         </p:txBody>
       </p:sp>
@@ -6127,10 +6423,369 @@
           </a:prstGeom>
         </p:spPr>
       </p:pic>
+      <p:pic>
+        <p:nvPicPr>
+          <p:cNvPr id="6" name="Picture 5"/>
+          <p:cNvPicPr>
+            <a:picLocks noChangeAspect="1"/>
+          </p:cNvPicPr>
+          <p:nvPr/>
+        </p:nvPicPr>
+        <p:blipFill>
+          <a:blip r:embed="rId3">
+            <a:extLst>
+              <a:ext uri="{28A0092B-C50C-407E-A947-70E740481C1C}">
+                <a14:useLocalDpi xmlns:a14="http://schemas.microsoft.com/office/drawing/2010/main" val="0"/>
+              </a:ext>
+            </a:extLst>
+          </a:blip>
+          <a:stretch>
+            <a:fillRect/>
+          </a:stretch>
+        </p:blipFill>
+        <p:spPr>
+          <a:xfrm>
+            <a:off x="4148568" y="162116"/>
+            <a:ext cx="4549811" cy="3412358"/>
+          </a:xfrm>
+          <a:prstGeom prst="rect">
+            <a:avLst/>
+          </a:prstGeom>
+        </p:spPr>
+      </p:pic>
+      <p:pic>
+        <p:nvPicPr>
+          <p:cNvPr id="8" name="Picture 7"/>
+          <p:cNvPicPr>
+            <a:picLocks noChangeAspect="1"/>
+          </p:cNvPicPr>
+          <p:nvPr/>
+        </p:nvPicPr>
+        <p:blipFill>
+          <a:blip r:embed="rId4">
+            <a:extLst>
+              <a:ext uri="{28A0092B-C50C-407E-A947-70E740481C1C}">
+                <a14:useLocalDpi xmlns:a14="http://schemas.microsoft.com/office/drawing/2010/main" val="0"/>
+              </a:ext>
+            </a:extLst>
+          </a:blip>
+          <a:stretch>
+            <a:fillRect/>
+          </a:stretch>
+        </p:blipFill>
+        <p:spPr>
+          <a:xfrm>
+            <a:off x="5074844" y="3753430"/>
+            <a:ext cx="4259161" cy="3104570"/>
+          </a:xfrm>
+          <a:prstGeom prst="rect">
+            <a:avLst/>
+          </a:prstGeom>
+        </p:spPr>
+      </p:pic>
     </p:spTree>
     <p:extLst>
       <p:ext uri="{BB962C8B-B14F-4D97-AF65-F5344CB8AC3E}">
         <p14:creationId xmlns:p14="http://schemas.microsoft.com/office/powerpoint/2010/main" val="3499458357"/>
+      </p:ext>
+    </p:extLst>
+  </p:cSld>
+  <p:clrMapOvr>
+    <a:masterClrMapping/>
+  </p:clrMapOvr>
+</p:sld>
+</file>
+
+<file path=ppt/slides/slide8.xml><?xml version="1.0" encoding="utf-8"?>
+<p:sld xmlns:a="http://schemas.openxmlformats.org/drawingml/2006/main" xmlns:r="http://schemas.openxmlformats.org/officeDocument/2006/relationships" xmlns:p="http://schemas.openxmlformats.org/presentationml/2006/main">
+  <p:cSld>
+    <p:spTree>
+      <p:nvGrpSpPr>
+        <p:cNvPr id="1" name=""/>
+        <p:cNvGrpSpPr/>
+        <p:nvPr/>
+      </p:nvGrpSpPr>
+      <p:grpSpPr>
+        <a:xfrm>
+          <a:off x="0" y="0"/>
+          <a:ext cx="0" cy="0"/>
+          <a:chOff x="0" y="0"/>
+          <a:chExt cx="0" cy="0"/>
+        </a:xfrm>
+      </p:grpSpPr>
+      <p:sp>
+        <p:nvSpPr>
+          <p:cNvPr id="2" name="Title 1"/>
+          <p:cNvSpPr>
+            <a:spLocks noGrp="1"/>
+          </p:cNvSpPr>
+          <p:nvPr>
+            <p:ph type="title"/>
+          </p:nvPr>
+        </p:nvSpPr>
+        <p:spPr>
+          <a:xfrm>
+            <a:off x="1097280" y="0"/>
+            <a:ext cx="10058400" cy="1328441"/>
+          </a:xfrm>
+        </p:spPr>
+        <p:txBody>
+          <a:bodyPr/>
+          <a:lstStyle/>
+          <a:p>
+            <a:r>
+              <a:rPr lang="en-US" dirty="0" err="1" smtClean="0"/>
+              <a:t>Planuojami</a:t>
+            </a:r>
+            <a:r>
+              <a:rPr lang="en-US" dirty="0" smtClean="0"/>
+              <a:t> </a:t>
+            </a:r>
+            <a:r>
+              <a:rPr lang="en-US" dirty="0" err="1" smtClean="0"/>
+              <a:t>darbai</a:t>
+            </a:r>
+            <a:endParaRPr lang="lt-LT" dirty="0"/>
+          </a:p>
+        </p:txBody>
+      </p:sp>
+      <p:sp>
+        <p:nvSpPr>
+          <p:cNvPr id="3" name="Content Placeholder 2"/>
+          <p:cNvSpPr>
+            <a:spLocks noGrp="1"/>
+          </p:cNvSpPr>
+          <p:nvPr>
+            <p:ph idx="1"/>
+          </p:nvPr>
+        </p:nvSpPr>
+        <p:spPr>
+          <a:xfrm>
+            <a:off x="1097280" y="1882404"/>
+            <a:ext cx="10058400" cy="4467596"/>
+          </a:xfrm>
+        </p:spPr>
+        <p:txBody>
+          <a:bodyPr>
+            <a:normAutofit lnSpcReduction="10000"/>
+          </a:bodyPr>
+          <a:lstStyle/>
+          <a:p>
+            <a:pPr>
+              <a:lnSpc>
+                <a:spcPct val="150000"/>
+              </a:lnSpc>
+              <a:buFont typeface="Wingdings" panose="05000000000000000000" pitchFamily="2" charset="2"/>
+              <a:buChar char="§"/>
+            </a:pPr>
+            <a:r>
+              <a:rPr lang="en-US" sz="2800" dirty="0" smtClean="0"/>
+              <a:t> </a:t>
+            </a:r>
+            <a:r>
+              <a:rPr lang="en-US" sz="2800" dirty="0" err="1" smtClean="0"/>
+              <a:t>Patobulint</a:t>
+            </a:r>
+            <a:r>
+              <a:rPr lang="lt-LT" sz="2800" dirty="0" smtClean="0"/>
+              <a:t>i</a:t>
+            </a:r>
+            <a:r>
+              <a:rPr lang="en-US" sz="2800" dirty="0" smtClean="0"/>
+              <a:t> </a:t>
+            </a:r>
+            <a:r>
+              <a:rPr lang="en-US" sz="2800" dirty="0" err="1" smtClean="0"/>
+              <a:t>registracij</a:t>
+            </a:r>
+            <a:r>
+              <a:rPr lang="lt-LT" sz="2800" dirty="0" smtClean="0"/>
+              <a:t>ą</a:t>
+            </a:r>
+            <a:r>
+              <a:rPr lang="en-US" sz="2800" dirty="0" smtClean="0"/>
+              <a:t>, </a:t>
+            </a:r>
+            <a:r>
+              <a:rPr lang="lt-LT" sz="2800" dirty="0" smtClean="0"/>
+              <a:t>sukurti </a:t>
+            </a:r>
+            <a:r>
+              <a:rPr lang="en-US" sz="2800" dirty="0" err="1" smtClean="0"/>
+              <a:t>vartotojo</a:t>
+            </a:r>
+            <a:r>
+              <a:rPr lang="en-US" sz="2800" dirty="0" smtClean="0"/>
+              <a:t> </a:t>
+            </a:r>
+            <a:r>
+              <a:rPr lang="en-US" sz="2800" dirty="0" err="1" smtClean="0"/>
+              <a:t>sesijos</a:t>
+            </a:r>
+            <a:r>
+              <a:rPr lang="en-US" sz="2800" dirty="0" smtClean="0"/>
+              <a:t> </a:t>
+            </a:r>
+            <a:r>
+              <a:rPr lang="en-US" sz="2800" dirty="0" err="1" smtClean="0"/>
+              <a:t>i</a:t>
+            </a:r>
+            <a:r>
+              <a:rPr lang="lt-LT" sz="2800" dirty="0" err="1" smtClean="0"/>
+              <a:t>šlaikymą</a:t>
+            </a:r>
+            <a:r>
+              <a:rPr lang="lt-LT" sz="2800" dirty="0" smtClean="0"/>
+              <a:t>, pridėti kitų socialinių tinklų prisijungimui</a:t>
+            </a:r>
+          </a:p>
+          <a:p>
+            <a:pPr>
+              <a:lnSpc>
+                <a:spcPct val="150000"/>
+              </a:lnSpc>
+              <a:buFont typeface="Wingdings" panose="05000000000000000000" pitchFamily="2" charset="2"/>
+              <a:buChar char="§"/>
+            </a:pPr>
+            <a:r>
+              <a:rPr lang="en-US" sz="2800" dirty="0" smtClean="0"/>
+              <a:t> </a:t>
+            </a:r>
+            <a:r>
+              <a:rPr lang="en-US" sz="2800" dirty="0" err="1" smtClean="0"/>
+              <a:t>Dietos</a:t>
+            </a:r>
+            <a:r>
+              <a:rPr lang="en-US" sz="2800" dirty="0" smtClean="0"/>
+              <a:t> </a:t>
+            </a:r>
+            <a:r>
+              <a:rPr lang="en-US" sz="2800" dirty="0" err="1" smtClean="0"/>
+              <a:t>plano</a:t>
+            </a:r>
+            <a:r>
+              <a:rPr lang="en-US" sz="2800" dirty="0" smtClean="0"/>
+              <a:t> </a:t>
+            </a:r>
+            <a:r>
+              <a:rPr lang="en-US" sz="2800" dirty="0" err="1" smtClean="0"/>
+              <a:t>generavim</a:t>
+            </a:r>
+            <a:r>
+              <a:rPr lang="lt-LT" sz="2800" dirty="0" smtClean="0"/>
+              <a:t>o sukūrimas</a:t>
+            </a:r>
+            <a:endParaRPr lang="en-US" sz="2800" dirty="0" smtClean="0"/>
+          </a:p>
+          <a:p>
+            <a:pPr>
+              <a:lnSpc>
+                <a:spcPct val="150000"/>
+              </a:lnSpc>
+              <a:buFont typeface="Wingdings" panose="05000000000000000000" pitchFamily="2" charset="2"/>
+              <a:buChar char="§"/>
+            </a:pPr>
+            <a:r>
+              <a:rPr lang="en-US" sz="2800" dirty="0" smtClean="0"/>
+              <a:t> Sporto </a:t>
+            </a:r>
+            <a:r>
+              <a:rPr lang="en-US" sz="2800" dirty="0" err="1" smtClean="0"/>
+              <a:t>statistik</a:t>
+            </a:r>
+            <a:r>
+              <a:rPr lang="lt-LT" sz="2800" dirty="0" err="1" smtClean="0"/>
+              <a:t>os</a:t>
+            </a:r>
+            <a:r>
+              <a:rPr lang="lt-LT" sz="2800" dirty="0" smtClean="0"/>
+              <a:t> generavimas</a:t>
+            </a:r>
+          </a:p>
+          <a:p>
+            <a:pPr>
+              <a:lnSpc>
+                <a:spcPct val="150000"/>
+              </a:lnSpc>
+              <a:buFont typeface="Wingdings" panose="05000000000000000000" pitchFamily="2" charset="2"/>
+              <a:buChar char="§"/>
+            </a:pPr>
+            <a:r>
+              <a:rPr lang="lt-LT" sz="2800" dirty="0"/>
+              <a:t> </a:t>
+            </a:r>
+            <a:r>
+              <a:rPr lang="lt-LT" sz="2800" dirty="0" smtClean="0"/>
+              <a:t>Sistemos </a:t>
+            </a:r>
+            <a:r>
+              <a:rPr lang="lt-LT" sz="2800" dirty="0" smtClean="0"/>
+              <a:t>pranešimai (</a:t>
+            </a:r>
+            <a:r>
+              <a:rPr lang="lt-LT" sz="2800" dirty="0" err="1" smtClean="0"/>
+              <a:t>ang</a:t>
+            </a:r>
+            <a:r>
+              <a:rPr lang="lt-LT" sz="2800" dirty="0" smtClean="0"/>
+              <a:t>. </a:t>
+            </a:r>
+            <a:r>
+              <a:rPr lang="lt-LT" sz="2800" dirty="0" err="1" smtClean="0"/>
+              <a:t>Push</a:t>
+            </a:r>
+            <a:r>
+              <a:rPr lang="lt-LT" sz="2800" dirty="0" smtClean="0"/>
+              <a:t> </a:t>
+            </a:r>
+            <a:r>
+              <a:rPr lang="lt-LT" sz="2800" dirty="0" err="1" smtClean="0"/>
+              <a:t>notifications</a:t>
+            </a:r>
+            <a:r>
+              <a:rPr lang="lt-LT" sz="2800" dirty="0" smtClean="0"/>
+              <a:t>)</a:t>
+            </a:r>
+          </a:p>
+          <a:p>
+            <a:pPr>
+              <a:lnSpc>
+                <a:spcPct val="150000"/>
+              </a:lnSpc>
+              <a:buFont typeface="Wingdings" panose="05000000000000000000" pitchFamily="2" charset="2"/>
+              <a:buChar char="§"/>
+            </a:pPr>
+            <a:r>
+              <a:rPr lang="lt-LT" sz="2800" dirty="0"/>
+              <a:t> </a:t>
+            </a:r>
+            <a:r>
+              <a:rPr lang="lt-LT" sz="2800" dirty="0" smtClean="0"/>
+              <a:t>Kalendoriaus sporto </a:t>
+            </a:r>
+            <a:r>
+              <a:rPr lang="lt-LT" sz="2800" dirty="0" err="1" smtClean="0"/>
+              <a:t>pratimams</a:t>
+            </a:r>
+            <a:r>
+              <a:rPr lang="lt-LT" sz="2800" dirty="0" smtClean="0"/>
+              <a:t> ir dietos planui sukūrimas</a:t>
+            </a:r>
+            <a:endParaRPr lang="en-US" sz="2800" dirty="0" smtClean="0"/>
+          </a:p>
+          <a:p>
+            <a:pPr>
+              <a:buFont typeface="Wingdings" panose="05000000000000000000" pitchFamily="2" charset="2"/>
+              <a:buChar char="§"/>
+            </a:pPr>
+            <a:endParaRPr lang="lt-LT" sz="2800" dirty="0"/>
+          </a:p>
+        </p:txBody>
+      </p:sp>
+    </p:spTree>
+    <p:extLst>
+      <p:ext uri="{BB962C8B-B14F-4D97-AF65-F5344CB8AC3E}">
+        <p14:creationId xmlns:p14="http://schemas.microsoft.com/office/powerpoint/2010/main" val="1118231273"/>
       </p:ext>
     </p:extLst>
   </p:cSld>
